--- a/myeongji/졸작/계획 및 발표/ppt/졸업프로젝트_내일의_반찬_개발일지_211008.pptx
+++ b/myeongji/졸작/계획 및 발표/ppt/졸업프로젝트_내일의_반찬_개발일지_211008.pptx
@@ -218,7 +218,7 @@
           <a:p>
             <a:fld id="{82467052-4B5B-4B55-A62D-6336995C5CBF}" type="datetimeFigureOut">
               <a:rPr lang="ko-KR" altLang="en-US" smtClean="0"/>
-              <a:t>2021-10-07</a:t>
+              <a:t>2021-10-08</a:t>
             </a:fld>
             <a:endParaRPr lang="ko-KR" altLang="en-US"/>
           </a:p>
@@ -614,7 +614,7 @@
           <a:p>
             <a:fld id="{64B477C1-132E-4A16-AA59-F87E43D1C762}" type="datetimeFigureOut">
               <a:rPr lang="ko-KR" altLang="en-US" smtClean="0"/>
-              <a:t>2021-10-07</a:t>
+              <a:t>2021-10-08</a:t>
             </a:fld>
             <a:endParaRPr lang="ko-KR" altLang="en-US"/>
           </a:p>
@@ -782,7 +782,7 @@
           <a:p>
             <a:fld id="{64B477C1-132E-4A16-AA59-F87E43D1C762}" type="datetimeFigureOut">
               <a:rPr lang="ko-KR" altLang="en-US" smtClean="0"/>
-              <a:t>2021-10-07</a:t>
+              <a:t>2021-10-08</a:t>
             </a:fld>
             <a:endParaRPr lang="ko-KR" altLang="en-US"/>
           </a:p>
@@ -960,7 +960,7 @@
           <a:p>
             <a:fld id="{64B477C1-132E-4A16-AA59-F87E43D1C762}" type="datetimeFigureOut">
               <a:rPr lang="ko-KR" altLang="en-US" smtClean="0"/>
-              <a:t>2021-10-07</a:t>
+              <a:t>2021-10-08</a:t>
             </a:fld>
             <a:endParaRPr lang="ko-KR" altLang="en-US"/>
           </a:p>
@@ -1128,7 +1128,7 @@
           <a:p>
             <a:fld id="{64B477C1-132E-4A16-AA59-F87E43D1C762}" type="datetimeFigureOut">
               <a:rPr lang="ko-KR" altLang="en-US" smtClean="0"/>
-              <a:t>2021-10-07</a:t>
+              <a:t>2021-10-08</a:t>
             </a:fld>
             <a:endParaRPr lang="ko-KR" altLang="en-US"/>
           </a:p>
@@ -1373,7 +1373,7 @@
           <a:p>
             <a:fld id="{64B477C1-132E-4A16-AA59-F87E43D1C762}" type="datetimeFigureOut">
               <a:rPr lang="ko-KR" altLang="en-US" smtClean="0"/>
-              <a:t>2021-10-07</a:t>
+              <a:t>2021-10-08</a:t>
             </a:fld>
             <a:endParaRPr lang="ko-KR" altLang="en-US"/>
           </a:p>
@@ -1602,7 +1602,7 @@
           <a:p>
             <a:fld id="{64B477C1-132E-4A16-AA59-F87E43D1C762}" type="datetimeFigureOut">
               <a:rPr lang="ko-KR" altLang="en-US" smtClean="0"/>
-              <a:t>2021-10-07</a:t>
+              <a:t>2021-10-08</a:t>
             </a:fld>
             <a:endParaRPr lang="ko-KR" altLang="en-US"/>
           </a:p>
@@ -1966,7 +1966,7 @@
           <a:p>
             <a:fld id="{64B477C1-132E-4A16-AA59-F87E43D1C762}" type="datetimeFigureOut">
               <a:rPr lang="ko-KR" altLang="en-US" smtClean="0"/>
-              <a:t>2021-10-07</a:t>
+              <a:t>2021-10-08</a:t>
             </a:fld>
             <a:endParaRPr lang="ko-KR" altLang="en-US"/>
           </a:p>
@@ -2083,7 +2083,7 @@
           <a:p>
             <a:fld id="{64B477C1-132E-4A16-AA59-F87E43D1C762}" type="datetimeFigureOut">
               <a:rPr lang="ko-KR" altLang="en-US" smtClean="0"/>
-              <a:t>2021-10-07</a:t>
+              <a:t>2021-10-08</a:t>
             </a:fld>
             <a:endParaRPr lang="ko-KR" altLang="en-US"/>
           </a:p>
@@ -2178,7 +2178,7 @@
           <a:p>
             <a:fld id="{64B477C1-132E-4A16-AA59-F87E43D1C762}" type="datetimeFigureOut">
               <a:rPr lang="ko-KR" altLang="en-US" smtClean="0"/>
-              <a:t>2021-10-07</a:t>
+              <a:t>2021-10-08</a:t>
             </a:fld>
             <a:endParaRPr lang="ko-KR" altLang="en-US"/>
           </a:p>
@@ -2453,7 +2453,7 @@
           <a:p>
             <a:fld id="{64B477C1-132E-4A16-AA59-F87E43D1C762}" type="datetimeFigureOut">
               <a:rPr lang="ko-KR" altLang="en-US" smtClean="0"/>
-              <a:t>2021-10-07</a:t>
+              <a:t>2021-10-08</a:t>
             </a:fld>
             <a:endParaRPr lang="ko-KR" altLang="en-US"/>
           </a:p>
@@ -2705,7 +2705,7 @@
           <a:p>
             <a:fld id="{64B477C1-132E-4A16-AA59-F87E43D1C762}" type="datetimeFigureOut">
               <a:rPr lang="ko-KR" altLang="en-US" smtClean="0"/>
-              <a:t>2021-10-07</a:t>
+              <a:t>2021-10-08</a:t>
             </a:fld>
             <a:endParaRPr lang="ko-KR" altLang="en-US"/>
           </a:p>
@@ -2916,7 +2916,7 @@
           <a:p>
             <a:fld id="{64B477C1-132E-4A16-AA59-F87E43D1C762}" type="datetimeFigureOut">
               <a:rPr lang="ko-KR" altLang="en-US" smtClean="0"/>
-              <a:t>2021-10-07</a:t>
+              <a:t>2021-10-08</a:t>
             </a:fld>
             <a:endParaRPr lang="ko-KR" altLang="en-US"/>
           </a:p>
@@ -6842,10 +6842,10 @@
       </p:sp>
       <p:pic>
         <p:nvPicPr>
-          <p:cNvPr id="21" name="그림 20">
+          <p:cNvPr id="7" name="그림 6">
             <a:extLst>
               <a:ext uri="{FF2B5EF4-FFF2-40B4-BE49-F238E27FC236}">
-                <a16:creationId xmlns:a16="http://schemas.microsoft.com/office/drawing/2014/main" id="{F1D4439D-C1FF-4257-BF0C-5C224A2BA71D}"/>
+                <a16:creationId xmlns:a16="http://schemas.microsoft.com/office/drawing/2014/main" id="{00EACF30-C65F-453C-AFAB-35AD663C2686}"/>
               </a:ext>
             </a:extLst>
           </p:cNvPr>
@@ -6855,21 +6855,75 @@
           <p:nvPr/>
         </p:nvPicPr>
         <p:blipFill>
-          <a:blip r:embed="rId2">
-            <a:extLst>
-              <a:ext uri="{28A0092B-C50C-407E-A947-70E740481C1C}">
-                <a14:useLocalDpi xmlns:a14="http://schemas.microsoft.com/office/drawing/2010/main" val="0"/>
-              </a:ext>
-            </a:extLst>
-          </a:blip>
+          <a:blip r:embed="rId2"/>
           <a:stretch>
             <a:fillRect/>
           </a:stretch>
         </p:blipFill>
         <p:spPr>
           <a:xfrm>
-            <a:off x="1596686" y="1278003"/>
-            <a:ext cx="9407959" cy="5090675"/>
+            <a:off x="8013337" y="3812521"/>
+            <a:ext cx="4561831" cy="1641790"/>
+          </a:xfrm>
+          <a:prstGeom prst="rect">
+            <a:avLst/>
+          </a:prstGeom>
+        </p:spPr>
+      </p:pic>
+      <p:pic>
+        <p:nvPicPr>
+          <p:cNvPr id="13" name="그림 12">
+            <a:extLst>
+              <a:ext uri="{FF2B5EF4-FFF2-40B4-BE49-F238E27FC236}">
+                <a16:creationId xmlns:a16="http://schemas.microsoft.com/office/drawing/2014/main" id="{25FA8881-09F1-41B6-BE36-5F8975366EBC}"/>
+              </a:ext>
+            </a:extLst>
+          </p:cNvPr>
+          <p:cNvPicPr>
+            <a:picLocks noChangeAspect="1"/>
+          </p:cNvPicPr>
+          <p:nvPr/>
+        </p:nvPicPr>
+        <p:blipFill>
+          <a:blip r:embed="rId3"/>
+          <a:stretch>
+            <a:fillRect/>
+          </a:stretch>
+        </p:blipFill>
+        <p:spPr>
+          <a:xfrm>
+            <a:off x="6124890" y="445146"/>
+            <a:ext cx="6450278" cy="2620552"/>
+          </a:xfrm>
+          <a:prstGeom prst="rect">
+            <a:avLst/>
+          </a:prstGeom>
+        </p:spPr>
+      </p:pic>
+      <p:pic>
+        <p:nvPicPr>
+          <p:cNvPr id="15" name="그림 14">
+            <a:extLst>
+              <a:ext uri="{FF2B5EF4-FFF2-40B4-BE49-F238E27FC236}">
+                <a16:creationId xmlns:a16="http://schemas.microsoft.com/office/drawing/2014/main" id="{D848571A-A792-4022-89D4-D77B67DF0BAF}"/>
+              </a:ext>
+            </a:extLst>
+          </p:cNvPr>
+          <p:cNvPicPr>
+            <a:picLocks noChangeAspect="1"/>
+          </p:cNvPicPr>
+          <p:nvPr/>
+        </p:nvPicPr>
+        <p:blipFill>
+          <a:blip r:embed="rId4"/>
+          <a:stretch>
+            <a:fillRect/>
+          </a:stretch>
+        </p:blipFill>
+        <p:spPr>
+          <a:xfrm>
+            <a:off x="19752" y="1905923"/>
+            <a:ext cx="7173827" cy="3813196"/>
           </a:xfrm>
           <a:prstGeom prst="rect">
             <a:avLst/>
